--- a/第8讲 用户管理.pptx
+++ b/第8讲 用户管理.pptx
@@ -280,7 +280,7 @@
           <a:p>
             <a:fld id="{2B71C804-97F5-4B36-A7AC-EEEC7F44F6C2}" type="datetimeFigureOut">
               <a:rPr lang="zh-CN" altLang="en-US" smtClean="0"/>
-              <a:t>2017/8/19</a:t>
+              <a:t>2017/8/22</a:t>
             </a:fld>
             <a:endParaRPr lang="zh-CN" altLang="en-US"/>
           </a:p>
@@ -446,7 +446,7 @@
           <a:p>
             <a:fld id="{0568D9C6-D8DC-4CC3-8480-E0C4DBA1CC07}" type="datetimeFigureOut">
               <a:rPr lang="zh-CN" altLang="en-US" smtClean="0"/>
-              <a:t>2017/8/19</a:t>
+              <a:t>2017/8/22</a:t>
             </a:fld>
             <a:endParaRPr lang="zh-CN" altLang="en-US"/>
           </a:p>
@@ -1059,7 +1059,7 @@
           <a:p>
             <a:fld id="{DB9D664F-4C68-42D2-B189-678958EFAFDA}" type="datetime1">
               <a:rPr lang="zh-CN" altLang="en-US" smtClean="0"/>
-              <a:t>2017/8/19</a:t>
+              <a:t>2017/8/22</a:t>
             </a:fld>
             <a:endParaRPr lang="zh-CN" altLang="en-US"/>
           </a:p>
@@ -2041,7 +2041,7 @@
           <a:p>
             <a:fld id="{ED5513C8-E3A4-4D78-B249-887659A958FF}" type="datetime1">
               <a:rPr lang="en-US" altLang="zh-CN" smtClean="0"/>
-              <a:t>8/19/2017</a:t>
+              <a:t>8/22/2017</a:t>
             </a:fld>
             <a:endParaRPr lang="en-US"/>
           </a:p>
@@ -2219,7 +2219,7 @@
           <a:p>
             <a:fld id="{EBEDA52C-3EEE-4289-818C-901C0A7814FE}" type="datetime1">
               <a:rPr lang="en-US" altLang="zh-CN" smtClean="0"/>
-              <a:t>8/19/2017</a:t>
+              <a:t>8/22/2017</a:t>
             </a:fld>
             <a:endParaRPr lang="en-US"/>
           </a:p>
@@ -2473,7 +2473,7 @@
           <a:p>
             <a:fld id="{09EF5D7F-EA15-485C-85DD-8FDC010A62D4}" type="datetime1">
               <a:rPr lang="en-US" altLang="zh-CN" smtClean="0"/>
-              <a:t>8/19/2017</a:t>
+              <a:t>8/22/2017</a:t>
             </a:fld>
             <a:endParaRPr lang="en-US"/>
           </a:p>
@@ -2713,7 +2713,7 @@
           <a:p>
             <a:fld id="{9541C2B2-0BAB-4CD4-83EE-25F1A7138896}" type="datetime1">
               <a:rPr lang="en-US" altLang="zh-CN" smtClean="0"/>
-              <a:t>8/19/2017</a:t>
+              <a:t>8/22/2017</a:t>
             </a:fld>
             <a:endParaRPr lang="en-US"/>
           </a:p>
@@ -3088,7 +3088,7 @@
           <a:p>
             <a:fld id="{7DEA23E7-D0FC-41DC-8745-BE6FC447B182}" type="datetime1">
               <a:rPr lang="en-US" altLang="zh-CN" smtClean="0"/>
-              <a:t>8/19/2017</a:t>
+              <a:t>8/22/2017</a:t>
             </a:fld>
             <a:endParaRPr lang="en-US"/>
           </a:p>
@@ -3873,7 +3873,7 @@
           <a:p>
             <a:fld id="{5DEA8378-5F33-490B-8120-8DE6B7EE2781}" type="datetime1">
               <a:rPr lang="en-US" altLang="zh-CN" smtClean="0"/>
-              <a:t>8/19/2017</a:t>
+              <a:t>8/22/2017</a:t>
             </a:fld>
             <a:endParaRPr lang="en-US"/>
           </a:p>
@@ -4127,7 +4127,7 @@
           <a:p>
             <a:fld id="{38DD30CF-78A7-4C73-91B4-38D3E3317745}" type="datetime1">
               <a:rPr lang="en-US" altLang="zh-CN" smtClean="0"/>
-              <a:t>8/19/2017</a:t>
+              <a:t>8/22/2017</a:t>
             </a:fld>
             <a:endParaRPr lang="en-US"/>
           </a:p>
@@ -4230,7 +4230,7 @@
           <a:p>
             <a:fld id="{A1BE0A72-8501-4974-A7B7-5BD248ABBAFC}" type="datetime1">
               <a:rPr lang="zh-CN" altLang="en-US" smtClean="0"/>
-              <a:t>2017/8/19</a:t>
+              <a:t>2017/8/22</a:t>
             </a:fld>
             <a:endParaRPr lang="zh-CN" altLang="en-US"/>
           </a:p>
@@ -4491,7 +4491,7 @@
           <a:p>
             <a:fld id="{0B7E01DD-16D0-4DBA-9C1A-51468BA0B73A}" type="datetime1">
               <a:rPr lang="en-US" altLang="zh-CN" smtClean="0"/>
-              <a:t>8/19/2017</a:t>
+              <a:t>8/22/2017</a:t>
             </a:fld>
             <a:endParaRPr lang="en-US"/>
           </a:p>
@@ -4669,7 +4669,7 @@
           <a:p>
             <a:fld id="{B587E63F-0E62-4A50-901F-E071D77F7634}" type="datetime1">
               <a:rPr lang="en-US" altLang="zh-CN" smtClean="0"/>
-              <a:t>8/19/2017</a:t>
+              <a:t>8/22/2017</a:t>
             </a:fld>
             <a:endParaRPr lang="en-US"/>
           </a:p>
@@ -4857,7 +4857,7 @@
           <a:p>
             <a:fld id="{BD8521E8-9297-400B-AD8C-0A4D05699D33}" type="datetime1">
               <a:rPr lang="en-US" altLang="zh-CN" smtClean="0"/>
-              <a:t>8/19/2017</a:t>
+              <a:t>8/22/2017</a:t>
             </a:fld>
             <a:endParaRPr lang="en-US"/>
           </a:p>
@@ -5088,7 +5088,7 @@
           <a:p>
             <a:fld id="{ED5513C8-E3A4-4D78-B249-887659A958FF}" type="datetime1">
               <a:rPr lang="en-US" altLang="zh-CN" smtClean="0"/>
-              <a:t>8/19/2017</a:t>
+              <a:t>8/22/2017</a:t>
             </a:fld>
             <a:endParaRPr lang="en-US"/>
           </a:p>
@@ -5266,7 +5266,7 @@
           <a:p>
             <a:fld id="{EBEDA52C-3EEE-4289-818C-901C0A7814FE}" type="datetime1">
               <a:rPr lang="en-US" altLang="zh-CN" smtClean="0"/>
-              <a:t>8/19/2017</a:t>
+              <a:t>8/22/2017</a:t>
             </a:fld>
             <a:endParaRPr lang="en-US"/>
           </a:p>
@@ -5520,7 +5520,7 @@
           <a:p>
             <a:fld id="{09EF5D7F-EA15-485C-85DD-8FDC010A62D4}" type="datetime1">
               <a:rPr lang="en-US" altLang="zh-CN" smtClean="0"/>
-              <a:t>8/19/2017</a:t>
+              <a:t>8/22/2017</a:t>
             </a:fld>
             <a:endParaRPr lang="en-US"/>
           </a:p>
@@ -5760,7 +5760,7 @@
           <a:p>
             <a:fld id="{9541C2B2-0BAB-4CD4-83EE-25F1A7138896}" type="datetime1">
               <a:rPr lang="en-US" altLang="zh-CN" smtClean="0"/>
-              <a:t>8/19/2017</a:t>
+              <a:t>8/22/2017</a:t>
             </a:fld>
             <a:endParaRPr lang="en-US"/>
           </a:p>
@@ -6135,7 +6135,7 @@
           <a:p>
             <a:fld id="{7DEA23E7-D0FC-41DC-8745-BE6FC447B182}" type="datetime1">
               <a:rPr lang="en-US" altLang="zh-CN" smtClean="0"/>
-              <a:t>8/19/2017</a:t>
+              <a:t>8/22/2017</a:t>
             </a:fld>
             <a:endParaRPr lang="en-US"/>
           </a:p>
@@ -6920,7 +6920,7 @@
           <a:p>
             <a:fld id="{A1BE0A72-8501-4974-A7B7-5BD248ABBAFC}" type="datetime1">
               <a:rPr lang="zh-CN" altLang="en-US" smtClean="0"/>
-              <a:t>2017/8/19</a:t>
+              <a:t>2017/8/22</a:t>
             </a:fld>
             <a:endParaRPr lang="zh-CN" altLang="en-US"/>
           </a:p>
@@ -6973,7 +6973,7 @@
           <a:p>
             <a:fld id="{5DEA8378-5F33-490B-8120-8DE6B7EE2781}" type="datetime1">
               <a:rPr lang="en-US" altLang="zh-CN" smtClean="0"/>
-              <a:t>8/19/2017</a:t>
+              <a:t>8/22/2017</a:t>
             </a:fld>
             <a:endParaRPr lang="en-US"/>
           </a:p>
@@ -7227,7 +7227,7 @@
           <a:p>
             <a:fld id="{38DD30CF-78A7-4C73-91B4-38D3E3317745}" type="datetime1">
               <a:rPr lang="en-US" altLang="zh-CN" smtClean="0"/>
-              <a:t>8/19/2017</a:t>
+              <a:t>8/22/2017</a:t>
             </a:fld>
             <a:endParaRPr lang="en-US"/>
           </a:p>
@@ -7492,7 +7492,7 @@
           <a:p>
             <a:fld id="{0B7E01DD-16D0-4DBA-9C1A-51468BA0B73A}" type="datetime1">
               <a:rPr lang="en-US" altLang="zh-CN" smtClean="0"/>
-              <a:t>8/19/2017</a:t>
+              <a:t>8/22/2017</a:t>
             </a:fld>
             <a:endParaRPr lang="en-US"/>
           </a:p>
@@ -7670,7 +7670,7 @@
           <a:p>
             <a:fld id="{B587E63F-0E62-4A50-901F-E071D77F7634}" type="datetime1">
               <a:rPr lang="en-US" altLang="zh-CN" smtClean="0"/>
-              <a:t>8/19/2017</a:t>
+              <a:t>8/22/2017</a:t>
             </a:fld>
             <a:endParaRPr lang="en-US"/>
           </a:p>
@@ -7858,7 +7858,7 @@
           <a:p>
             <a:fld id="{BD8521E8-9297-400B-AD8C-0A4D05699D33}" type="datetime1">
               <a:rPr lang="en-US" altLang="zh-CN" smtClean="0"/>
-              <a:t>8/19/2017</a:t>
+              <a:t>8/22/2017</a:t>
             </a:fld>
             <a:endParaRPr lang="en-US"/>
           </a:p>
@@ -7961,7 +7961,7 @@
           <a:p>
             <a:fld id="{EF452D9C-F9EB-4417-9C3A-C876C2AF9415}" type="datetime1">
               <a:rPr lang="zh-CN" altLang="en-US" smtClean="0"/>
-              <a:t>2017/8/19</a:t>
+              <a:t>2017/8/22</a:t>
             </a:fld>
             <a:endParaRPr lang="zh-CN" altLang="en-US"/>
           </a:p>
@@ -8147,7 +8147,7 @@
           <a:p>
             <a:fld id="{2F2E9289-9B4C-49AE-BDDA-70D6EDC89D17}" type="datetime1">
               <a:rPr lang="zh-CN" altLang="en-US" smtClean="0"/>
-              <a:t>2017/8/19</a:t>
+              <a:t>2017/8/22</a:t>
             </a:fld>
             <a:endParaRPr lang="zh-CN" altLang="en-US"/>
           </a:p>
@@ -8317,7 +8317,7 @@
           <a:p>
             <a:fld id="{2F2E9289-9B4C-49AE-BDDA-70D6EDC89D17}" type="datetime1">
               <a:rPr lang="zh-CN" altLang="en-US" smtClean="0"/>
-              <a:t>2017/8/19</a:t>
+              <a:t>2017/8/22</a:t>
             </a:fld>
             <a:endParaRPr lang="zh-CN" altLang="en-US"/>
           </a:p>
@@ -8553,7 +8553,7 @@
           <a:p>
             <a:fld id="{8C5BA751-A251-47D6-8494-C134D9EBED5F}" type="datetime1">
               <a:rPr lang="zh-CN" altLang="en-US" smtClean="0"/>
-              <a:t>2017/8/19</a:t>
+              <a:t>2017/8/22</a:t>
             </a:fld>
             <a:endParaRPr lang="zh-CN" altLang="en-US"/>
           </a:p>
@@ -8909,7 +8909,7 @@
           <a:p>
             <a:fld id="{C46E2078-F302-4651-A2A2-2FC6C4E1A3F1}" type="datetime1">
               <a:rPr lang="zh-CN" altLang="en-US" smtClean="0"/>
-              <a:t>2017/8/19</a:t>
+              <a:t>2017/8/22</a:t>
             </a:fld>
             <a:endParaRPr lang="zh-CN" altLang="en-US"/>
           </a:p>
@@ -9031,7 +9031,7 @@
               <a:pPr>
                 <a:defRPr/>
               </a:pPr>
-              <a:t>2017/8/19</a:t>
+              <a:t>2017/8/22</a:t>
             </a:fld>
             <a:endParaRPr lang="zh-CN" altLang="en-US"/>
           </a:p>
@@ -9179,7 +9179,7 @@
           <a:p>
             <a:fld id="{A1BE0A72-8501-4974-A7B7-5BD248ABBAFC}" type="datetime1">
               <a:rPr lang="zh-CN" altLang="en-US" smtClean="0"/>
-              <a:t>2017/8/19</a:t>
+              <a:t>2017/8/22</a:t>
             </a:fld>
             <a:endParaRPr lang="zh-CN" altLang="en-US"/>
           </a:p>
@@ -9693,7 +9693,7 @@
           <a:p>
             <a:fld id="{A1BE0A72-8501-4974-A7B7-5BD248ABBAFC}" type="datetime1">
               <a:rPr lang="zh-CN" altLang="en-US" smtClean="0"/>
-              <a:t>2017/8/19</a:t>
+              <a:t>2017/8/22</a:t>
             </a:fld>
             <a:endParaRPr lang="zh-CN" altLang="en-US"/>
           </a:p>
@@ -10299,7 +10299,7 @@
           <a:p>
             <a:fld id="{7A78726F-0AD2-4A20-BC72-263D2D3F3A2F}" type="datetime1">
               <a:rPr lang="en-US" altLang="zh-CN" smtClean="0"/>
-              <a:t>8/19/2017</a:t>
+              <a:t>8/22/2017</a:t>
             </a:fld>
             <a:endParaRPr lang="en-US"/>
           </a:p>
@@ -11280,7 +11280,7 @@
           <a:p>
             <a:fld id="{A1BE0A72-8501-4974-A7B7-5BD248ABBAFC}" type="datetime1">
               <a:rPr lang="zh-CN" altLang="en-US" smtClean="0"/>
-              <a:t>2017/8/19</a:t>
+              <a:t>2017/8/22</a:t>
             </a:fld>
             <a:endParaRPr lang="zh-CN" altLang="en-US"/>
           </a:p>
@@ -11886,7 +11886,7 @@
           <a:p>
             <a:fld id="{7A78726F-0AD2-4A20-BC72-263D2D3F3A2F}" type="datetime1">
               <a:rPr lang="en-US" altLang="zh-CN" smtClean="0"/>
-              <a:t>8/19/2017</a:t>
+              <a:t>8/22/2017</a:t>
             </a:fld>
             <a:endParaRPr lang="en-US"/>
           </a:p>
@@ -18495,7 +18495,7 @@
         <p:spPr>
           <a:xfrm>
             <a:off x="1214438" y="1785938"/>
-            <a:ext cx="9815512" cy="2862322"/>
+            <a:ext cx="9815512" cy="3785652"/>
           </a:xfrm>
           <a:prstGeom prst="rect">
             <a:avLst/>
@@ -18548,7 +18548,90 @@
                 <a:latin typeface="微软雅黑" panose="020B0503020204020204" pitchFamily="34" charset="-122"/>
                 <a:ea typeface="微软雅黑" panose="020B0503020204020204" pitchFamily="34" charset="-122"/>
               </a:rPr>
-              <a:t>类是接口调用的基础类，提供了基本的</a:t>
+              <a:t>类是接口调用的基础类，配置了公众号的</a:t>
+            </a:r>
+            <a:r>
+              <a:rPr lang="en-US" altLang="zh-CN" sz="2000" dirty="0" err="1">
+                <a:latin typeface="微软雅黑" panose="020B0503020204020204" pitchFamily="34" charset="-122"/>
+                <a:ea typeface="微软雅黑" panose="020B0503020204020204" pitchFamily="34" charset="-122"/>
+              </a:rPr>
+              <a:t>AppID</a:t>
+            </a:r>
+            <a:r>
+              <a:rPr lang="zh-CN" altLang="en-US" sz="2000" dirty="0">
+                <a:latin typeface="微软雅黑" panose="020B0503020204020204" pitchFamily="34" charset="-122"/>
+                <a:ea typeface="微软雅黑" panose="020B0503020204020204" pitchFamily="34" charset="-122"/>
+              </a:rPr>
+              <a:t>与</a:t>
+            </a:r>
+            <a:r>
+              <a:rPr lang="en-US" altLang="zh-CN" sz="2000" dirty="0" err="1">
+                <a:latin typeface="微软雅黑" panose="020B0503020204020204" pitchFamily="34" charset="-122"/>
+                <a:ea typeface="微软雅黑" panose="020B0503020204020204" pitchFamily="34" charset="-122"/>
+              </a:rPr>
+              <a:t>AppSecret</a:t>
+            </a:r>
+            <a:r>
+              <a:rPr lang="zh-CN" altLang="en-US" sz="2000" dirty="0">
+                <a:latin typeface="微软雅黑" panose="020B0503020204020204" pitchFamily="34" charset="-122"/>
+                <a:ea typeface="微软雅黑" panose="020B0503020204020204" pitchFamily="34" charset="-122"/>
+              </a:rPr>
+              <a:t>。获取</a:t>
+            </a:r>
+            <a:r>
+              <a:rPr lang="en-US" altLang="zh-CN" sz="2000" dirty="0" err="1">
+                <a:latin typeface="微软雅黑" panose="020B0503020204020204" pitchFamily="34" charset="-122"/>
+                <a:ea typeface="微软雅黑" panose="020B0503020204020204" pitchFamily="34" charset="-122"/>
+              </a:rPr>
+              <a:t>access_token</a:t>
+            </a:r>
+            <a:r>
+              <a:rPr lang="zh-CN" altLang="en-US" sz="2000" dirty="0">
+                <a:latin typeface="微软雅黑" panose="020B0503020204020204" pitchFamily="34" charset="-122"/>
+                <a:ea typeface="微软雅黑" panose="020B0503020204020204" pitchFamily="34" charset="-122"/>
+              </a:rPr>
+              <a:t>的类继承此类。</a:t>
+            </a:r>
+            <a:endParaRPr lang="en-US" altLang="zh-CN" sz="2000" dirty="0">
+              <a:latin typeface="微软雅黑" panose="020B0503020204020204" pitchFamily="34" charset="-122"/>
+              <a:ea typeface="微软雅黑" panose="020B0503020204020204" pitchFamily="34" charset="-122"/>
+            </a:endParaRPr>
+          </a:p>
+          <a:p>
+            <a:pPr marL="342900" indent="-342900">
+              <a:lnSpc>
+                <a:spcPct val="150000"/>
+              </a:lnSpc>
+              <a:buFont typeface="Arial" panose="020B0604020202020204" pitchFamily="34" charset="0"/>
+              <a:buChar char="•"/>
+            </a:pPr>
+            <a:r>
+              <a:rPr lang="en-US" altLang="zh-CN" sz="2000" dirty="0" err="1">
+                <a:latin typeface="微软雅黑" panose="020B0503020204020204" pitchFamily="34" charset="-122"/>
+                <a:ea typeface="微软雅黑" panose="020B0503020204020204" pitchFamily="34" charset="-122"/>
+              </a:rPr>
+              <a:t>wxControl</a:t>
+            </a:r>
+            <a:r>
+              <a:rPr lang="zh-CN" altLang="en-US" sz="2000" dirty="0">
+                <a:latin typeface="微软雅黑" panose="020B0503020204020204" pitchFamily="34" charset="-122"/>
+                <a:ea typeface="微软雅黑" panose="020B0503020204020204" pitchFamily="34" charset="-122"/>
+              </a:rPr>
+              <a:t>类继承</a:t>
+            </a:r>
+            <a:r>
+              <a:rPr lang="en-US" altLang="zh-CN" sz="2000" dirty="0" err="1">
+                <a:latin typeface="微软雅黑" panose="020B0503020204020204" pitchFamily="34" charset="-122"/>
+                <a:ea typeface="微软雅黑" panose="020B0503020204020204" pitchFamily="34" charset="-122"/>
+              </a:rPr>
+              <a:t>wxBasic</a:t>
+            </a:r>
+            <a:r>
+              <a:rPr lang="zh-CN" altLang="en-US" sz="2000" dirty="0">
+                <a:latin typeface="微软雅黑" panose="020B0503020204020204" pitchFamily="34" charset="-122"/>
+                <a:ea typeface="微软雅黑" panose="020B0503020204020204" pitchFamily="34" charset="-122"/>
+              </a:rPr>
+              <a:t>类，提供了基本的</a:t>
             </a:r>
             <a:r>
               <a:rPr lang="en-US" altLang="zh-CN" sz="2000" dirty="0">
@@ -18562,35 +18645,41 @@
                 <a:latin typeface="微软雅黑" panose="020B0503020204020204" pitchFamily="34" charset="-122"/>
                 <a:ea typeface="微软雅黑" panose="020B0503020204020204" pitchFamily="34" charset="-122"/>
               </a:rPr>
-              <a:t>请求函数用于快速请求，配置了公众号的</a:t>
+              <a:t>请求函数，方便接口调用。</a:t>
+            </a:r>
+            <a:endParaRPr lang="en-US" altLang="zh-CN" sz="2000" dirty="0">
+              <a:latin typeface="微软雅黑" panose="020B0503020204020204" pitchFamily="34" charset="-122"/>
+              <a:ea typeface="微软雅黑" panose="020B0503020204020204" pitchFamily="34" charset="-122"/>
+            </a:endParaRPr>
+          </a:p>
+          <a:p>
+            <a:pPr marL="342900" indent="-342900">
+              <a:lnSpc>
+                <a:spcPct val="150000"/>
+              </a:lnSpc>
+              <a:buFont typeface="Arial" panose="020B0604020202020204" pitchFamily="34" charset="0"/>
+              <a:buChar char="•"/>
+            </a:pPr>
+            <a:r>
+              <a:rPr lang="zh-CN" altLang="en-US" sz="2000" dirty="0">
+                <a:latin typeface="微软雅黑" panose="020B0503020204020204" pitchFamily="34" charset="-122"/>
+                <a:ea typeface="微软雅黑" panose="020B0503020204020204" pitchFamily="34" charset="-122"/>
+              </a:rPr>
+              <a:t>所有接口类都继承</a:t>
             </a:r>
             <a:r>
               <a:rPr lang="en-US" altLang="zh-CN" sz="2000" dirty="0" err="1">
                 <a:latin typeface="微软雅黑" panose="020B0503020204020204" pitchFamily="34" charset="-122"/>
                 <a:ea typeface="微软雅黑" panose="020B0503020204020204" pitchFamily="34" charset="-122"/>
               </a:rPr>
-              <a:t>AppID</a:t>
+              <a:t>wxControl</a:t>
             </a:r>
             <a:r>
               <a:rPr lang="zh-CN" altLang="en-US" sz="2000" dirty="0">
                 <a:latin typeface="微软雅黑" panose="020B0503020204020204" pitchFamily="34" charset="-122"/>
                 <a:ea typeface="微软雅黑" panose="020B0503020204020204" pitchFamily="34" charset="-122"/>
               </a:rPr>
-              <a:t>与</a:t>
-            </a:r>
-            <a:r>
-              <a:rPr lang="en-US" altLang="zh-CN" sz="2000" dirty="0" err="1">
-                <a:latin typeface="微软雅黑" panose="020B0503020204020204" pitchFamily="34" charset="-122"/>
-                <a:ea typeface="微软雅黑" panose="020B0503020204020204" pitchFamily="34" charset="-122"/>
-              </a:rPr>
-              <a:t>AppSecret</a:t>
-            </a:r>
-            <a:r>
-              <a:rPr lang="zh-CN" altLang="en-US" sz="2000" dirty="0">
-                <a:latin typeface="微软雅黑" panose="020B0503020204020204" pitchFamily="34" charset="-122"/>
-                <a:ea typeface="微软雅黑" panose="020B0503020204020204" pitchFamily="34" charset="-122"/>
-              </a:rPr>
-              <a:t>。所有其他的接口类都继承此类。</a:t>
+              <a:t>。</a:t>
             </a:r>
             <a:endParaRPr lang="en-US" altLang="zh-CN" sz="2000" dirty="0">
               <a:latin typeface="微软雅黑" panose="020B0503020204020204" pitchFamily="34" charset="-122"/>
